--- a/HILT - Programming Concepts II.pptx
+++ b/HILT - Programming Concepts II.pptx
@@ -10342,7 +10342,7 @@
             </a:r>
             <a:r>
               <a:rPr lang="en-US" dirty="0"/>
-              <a:t>5</a:t>
+              <a:t>6</a:t>
             </a:r>
             <a:endParaRPr lang="en" dirty="0"/>
           </a:p>
@@ -15106,15 +15106,22 @@
               <a:buNone/>
             </a:pPr>
             <a:r>
-              <a:rPr lang="en" sz="9600" dirty="0">
+              <a:rPr lang="en-US" sz="9600" dirty="0" smtClean="0">
                 <a:solidFill>
                   <a:srgbClr val="FF0000"/>
                 </a:solidFill>
                 <a:latin typeface="Yanone Kaffeesatz Bold"/>
                 <a:cs typeface="Yanone Kaffeesatz Bold"/>
               </a:rPr>
-              <a:t>Interpreter</a:t>
-            </a:r>
+              <a:t>Running Ruby</a:t>
+            </a:r>
+            <a:endParaRPr lang="en" sz="9600" dirty="0">
+              <a:solidFill>
+                <a:srgbClr val="FF0000"/>
+              </a:solidFill>
+              <a:latin typeface="Yanone Kaffeesatz Bold"/>
+              <a:cs typeface="Yanone Kaffeesatz Bold"/>
+            </a:endParaRPr>
           </a:p>
         </p:txBody>
       </p:sp>
@@ -15155,113 +15162,12 @@
               <a:buChar char="●"/>
             </a:pPr>
             <a:r>
+              <a:rPr lang="en" smtClean="0"/>
+              <a:t>There </a:t>
+            </a:r>
+            <a:r>
               <a:rPr lang="en" dirty="0"/>
-              <a:t>Ruby is an </a:t>
-            </a:r>
-            <a:r>
-              <a:rPr lang="en" b="1" dirty="0">
-                <a:solidFill>
-                  <a:schemeClr val="bg2"/>
-                </a:solidFill>
-              </a:rPr>
-              <a:t>interpreted language</a:t>
-            </a:r>
-          </a:p>
-          <a:p>
-            <a:pPr marL="914400" lvl="1" indent="-381000" rtl="0">
-              <a:spcBef>
-                <a:spcPts val="0"/>
-              </a:spcBef>
-              <a:buClr>
-                <a:schemeClr val="dk1"/>
-              </a:buClr>
-              <a:buSzPct val="80000"/>
-              <a:buFont typeface="Courier New"/>
-              <a:buChar char="o"/>
-            </a:pPr>
-            <a:r>
-              <a:rPr lang="en" dirty="0">
-                <a:latin typeface="Open Sans"/>
-                <a:ea typeface="Open Sans"/>
-                <a:cs typeface="Open Sans"/>
-              </a:rPr>
-              <a:t>Its code cannot be run directly</a:t>
-            </a:r>
-          </a:p>
-          <a:p>
-            <a:pPr marL="914400" lvl="1" indent="-381000" rtl="0">
-              <a:spcBef>
-                <a:spcPts val="0"/>
-              </a:spcBef>
-              <a:buClr>
-                <a:schemeClr val="dk1"/>
-              </a:buClr>
-              <a:buSzPct val="80000"/>
-              <a:buFont typeface="Courier New"/>
-              <a:buChar char="o"/>
-            </a:pPr>
-            <a:r>
-              <a:rPr lang="en" dirty="0">
-                <a:latin typeface="Open Sans"/>
-                <a:ea typeface="Open Sans"/>
-                <a:cs typeface="Open Sans"/>
-              </a:rPr>
-              <a:t>It must be run through a Ruby interpreter</a:t>
-            </a:r>
-          </a:p>
-          <a:p>
-            <a:pPr marL="457200" lvl="0" indent="-419100" rtl="0">
-              <a:spcBef>
-                <a:spcPts val="0"/>
-              </a:spcBef>
-              <a:buClr>
-                <a:schemeClr val="dk1"/>
-              </a:buClr>
-              <a:buSzPct val="100000"/>
-              <a:buFont typeface="Arial"/>
-              <a:buChar char="●"/>
-            </a:pPr>
-            <a:r>
-              <a:rPr lang="en" dirty="0"/>
-              <a:t>Most common interpreter is Matz's Ruby Interpreter (MRI)</a:t>
-            </a:r>
-          </a:p>
-          <a:p>
-            <a:pPr marL="914400" lvl="1" indent="-381000" rtl="0">
-              <a:spcBef>
-                <a:spcPts val="0"/>
-              </a:spcBef>
-              <a:buClr>
-                <a:schemeClr val="dk1"/>
-              </a:buClr>
-              <a:buSzPct val="80000"/>
-              <a:buFont typeface="Courier New"/>
-              <a:buChar char="o"/>
-            </a:pPr>
-            <a:r>
-              <a:rPr lang="en" dirty="0">
-                <a:latin typeface="Open Sans"/>
-                <a:ea typeface="Open Sans"/>
-                <a:cs typeface="Open Sans"/>
-              </a:rPr>
-              <a:t>There are others (jruby, rubinius, etc.)</a:t>
-            </a:r>
-          </a:p>
-          <a:p>
-            <a:pPr marL="457200" lvl="0" indent="-419100" rtl="0">
-              <a:spcBef>
-                <a:spcPts val="0"/>
-              </a:spcBef>
-              <a:buClr>
-                <a:schemeClr val="dk1"/>
-              </a:buClr>
-              <a:buSzPct val="100000"/>
-              <a:buFont typeface="Arial"/>
-              <a:buChar char="●"/>
-            </a:pPr>
-            <a:r>
-              <a:rPr lang="en" dirty="0"/>
-              <a:t>There are different ways to run code through a Ruby interpretor</a:t>
+              <a:t>are different ways to run code through a Ruby interpretor</a:t>
             </a:r>
           </a:p>
           <a:p>
@@ -24038,10 +23944,6 @@
               </a:rPr>
               <a:t>”]</a:t>
             </a:r>
-            <a:endParaRPr lang="en-US" sz="2800" dirty="0" smtClean="0">
-              <a:latin typeface="Menlo Regular"/>
-              <a:cs typeface="Menlo Regular"/>
-            </a:endParaRPr>
           </a:p>
         </p:txBody>
       </p:sp>
